--- a/你永遠如此深愛著我.pptx
+++ b/你永遠如此深愛著我.pptx
@@ -159,7 +159,7 @@
           <a:lstStyle/>
           <a:p>
             <a:r>
-              <a:rPr lang="en-US" altLang="zh-TW" smtClean="0"/>
+              <a:rPr lang="en-US" altLang="zh-TW"/>
               <a:t>Click to edit Master title style</a:t>
             </a:r>
             <a:endParaRPr lang="zh-TW" altLang="en-US"/>
@@ -278,7 +278,7 @@
           </a:lstStyle>
           <a:p>
             <a:r>
-              <a:rPr lang="en-US" altLang="zh-TW" smtClean="0"/>
+              <a:rPr lang="en-US" altLang="zh-TW"/>
               <a:t>Click to edit Master subtitle style</a:t>
             </a:r>
             <a:endParaRPr lang="zh-TW" altLang="en-US"/>
@@ -302,7 +302,7 @@
           <a:p>
             <a:fld id="{31F3115C-BB06-4256-A0EE-CA1EF37828C7}" type="datetimeFigureOut">
               <a:rPr lang="vi-VN" smtClean="0"/>
-              <a:t>01/09/2023</a:t>
+              <a:t>24/02/2024</a:t>
             </a:fld>
             <a:endParaRPr lang="vi-VN"/>
           </a:p>
@@ -396,7 +396,7 @@
           <a:lstStyle/>
           <a:p>
             <a:r>
-              <a:rPr lang="en-US" altLang="zh-TW" smtClean="0"/>
+              <a:rPr lang="en-US" altLang="zh-TW"/>
               <a:t>Click to edit Master title style</a:t>
             </a:r>
             <a:endParaRPr lang="zh-TW" altLang="en-US"/>
@@ -420,35 +420,35 @@
           <a:p>
             <a:pPr lvl="0"/>
             <a:r>
-              <a:rPr lang="en-US" altLang="zh-TW" smtClean="0"/>
+              <a:rPr lang="en-US" altLang="zh-TW"/>
               <a:t>Edit Master text styles</a:t>
             </a:r>
           </a:p>
           <a:p>
             <a:pPr lvl="1"/>
             <a:r>
-              <a:rPr lang="en-US" altLang="zh-TW" smtClean="0"/>
+              <a:rPr lang="en-US" altLang="zh-TW"/>
               <a:t>Second level</a:t>
             </a:r>
           </a:p>
           <a:p>
             <a:pPr lvl="2"/>
             <a:r>
-              <a:rPr lang="en-US" altLang="zh-TW" smtClean="0"/>
+              <a:rPr lang="en-US" altLang="zh-TW"/>
               <a:t>Third level</a:t>
             </a:r>
           </a:p>
           <a:p>
             <a:pPr lvl="3"/>
             <a:r>
-              <a:rPr lang="en-US" altLang="zh-TW" smtClean="0"/>
+              <a:rPr lang="en-US" altLang="zh-TW"/>
               <a:t>Fourth level</a:t>
             </a:r>
           </a:p>
           <a:p>
             <a:pPr lvl="4"/>
             <a:r>
-              <a:rPr lang="en-US" altLang="zh-TW" smtClean="0"/>
+              <a:rPr lang="en-US" altLang="zh-TW"/>
               <a:t>Fifth level</a:t>
             </a:r>
             <a:endParaRPr lang="zh-TW" altLang="en-US"/>
@@ -472,7 +472,7 @@
           <a:p>
             <a:fld id="{31F3115C-BB06-4256-A0EE-CA1EF37828C7}" type="datetimeFigureOut">
               <a:rPr lang="vi-VN" smtClean="0"/>
-              <a:t>01/09/2023</a:t>
+              <a:t>24/02/2024</a:t>
             </a:fld>
             <a:endParaRPr lang="vi-VN"/>
           </a:p>
@@ -571,7 +571,7 @@
           <a:lstStyle/>
           <a:p>
             <a:r>
-              <a:rPr lang="en-US" altLang="zh-TW" smtClean="0"/>
+              <a:rPr lang="en-US" altLang="zh-TW"/>
               <a:t>Click to edit Master title style</a:t>
             </a:r>
             <a:endParaRPr lang="zh-TW" altLang="en-US"/>
@@ -600,35 +600,35 @@
           <a:p>
             <a:pPr lvl="0"/>
             <a:r>
-              <a:rPr lang="en-US" altLang="zh-TW" smtClean="0"/>
+              <a:rPr lang="en-US" altLang="zh-TW"/>
               <a:t>Edit Master text styles</a:t>
             </a:r>
           </a:p>
           <a:p>
             <a:pPr lvl="1"/>
             <a:r>
-              <a:rPr lang="en-US" altLang="zh-TW" smtClean="0"/>
+              <a:rPr lang="en-US" altLang="zh-TW"/>
               <a:t>Second level</a:t>
             </a:r>
           </a:p>
           <a:p>
             <a:pPr lvl="2"/>
             <a:r>
-              <a:rPr lang="en-US" altLang="zh-TW" smtClean="0"/>
+              <a:rPr lang="en-US" altLang="zh-TW"/>
               <a:t>Third level</a:t>
             </a:r>
           </a:p>
           <a:p>
             <a:pPr lvl="3"/>
             <a:r>
-              <a:rPr lang="en-US" altLang="zh-TW" smtClean="0"/>
+              <a:rPr lang="en-US" altLang="zh-TW"/>
               <a:t>Fourth level</a:t>
             </a:r>
           </a:p>
           <a:p>
             <a:pPr lvl="4"/>
             <a:r>
-              <a:rPr lang="en-US" altLang="zh-TW" smtClean="0"/>
+              <a:rPr lang="en-US" altLang="zh-TW"/>
               <a:t>Fifth level</a:t>
             </a:r>
             <a:endParaRPr lang="zh-TW" altLang="en-US"/>
@@ -652,7 +652,7 @@
           <a:p>
             <a:fld id="{31F3115C-BB06-4256-A0EE-CA1EF37828C7}" type="datetimeFigureOut">
               <a:rPr lang="vi-VN" smtClean="0"/>
-              <a:t>01/09/2023</a:t>
+              <a:t>24/02/2024</a:t>
             </a:fld>
             <a:endParaRPr lang="vi-VN"/>
           </a:p>
@@ -746,7 +746,7 @@
           <a:lstStyle/>
           <a:p>
             <a:r>
-              <a:rPr lang="en-US" altLang="zh-TW" smtClean="0"/>
+              <a:rPr lang="en-US" altLang="zh-TW"/>
               <a:t>Click to edit Master title style</a:t>
             </a:r>
             <a:endParaRPr lang="zh-TW" altLang="en-US"/>
@@ -770,35 +770,35 @@
           <a:p>
             <a:pPr lvl="0"/>
             <a:r>
-              <a:rPr lang="en-US" altLang="zh-TW" smtClean="0"/>
+              <a:rPr lang="en-US" altLang="zh-TW"/>
               <a:t>Edit Master text styles</a:t>
             </a:r>
           </a:p>
           <a:p>
             <a:pPr lvl="1"/>
             <a:r>
-              <a:rPr lang="en-US" altLang="zh-TW" smtClean="0"/>
+              <a:rPr lang="en-US" altLang="zh-TW"/>
               <a:t>Second level</a:t>
             </a:r>
           </a:p>
           <a:p>
             <a:pPr lvl="2"/>
             <a:r>
-              <a:rPr lang="en-US" altLang="zh-TW" smtClean="0"/>
+              <a:rPr lang="en-US" altLang="zh-TW"/>
               <a:t>Third level</a:t>
             </a:r>
           </a:p>
           <a:p>
             <a:pPr lvl="3"/>
             <a:r>
-              <a:rPr lang="en-US" altLang="zh-TW" smtClean="0"/>
+              <a:rPr lang="en-US" altLang="zh-TW"/>
               <a:t>Fourth level</a:t>
             </a:r>
           </a:p>
           <a:p>
             <a:pPr lvl="4"/>
             <a:r>
-              <a:rPr lang="en-US" altLang="zh-TW" smtClean="0"/>
+              <a:rPr lang="en-US" altLang="zh-TW"/>
               <a:t>Fifth level</a:t>
             </a:r>
             <a:endParaRPr lang="zh-TW" altLang="en-US"/>
@@ -822,7 +822,7 @@
           <a:p>
             <a:fld id="{31F3115C-BB06-4256-A0EE-CA1EF37828C7}" type="datetimeFigureOut">
               <a:rPr lang="vi-VN" smtClean="0"/>
-              <a:t>01/09/2023</a:t>
+              <a:t>24/02/2024</a:t>
             </a:fld>
             <a:endParaRPr lang="vi-VN"/>
           </a:p>
@@ -925,7 +925,7 @@
           </a:lstStyle>
           <a:p>
             <a:r>
-              <a:rPr lang="en-US" altLang="zh-TW" smtClean="0"/>
+              <a:rPr lang="en-US" altLang="zh-TW"/>
               <a:t>Click to edit Master title style</a:t>
             </a:r>
             <a:endParaRPr lang="zh-TW" altLang="en-US"/>
@@ -1045,7 +1045,7 @@
           <a:p>
             <a:pPr lvl="0"/>
             <a:r>
-              <a:rPr lang="en-US" altLang="zh-TW" smtClean="0"/>
+              <a:rPr lang="en-US" altLang="zh-TW"/>
               <a:t>Edit Master text styles</a:t>
             </a:r>
           </a:p>
@@ -1068,7 +1068,7 @@
           <a:p>
             <a:fld id="{31F3115C-BB06-4256-A0EE-CA1EF37828C7}" type="datetimeFigureOut">
               <a:rPr lang="vi-VN" smtClean="0"/>
-              <a:t>01/09/2023</a:t>
+              <a:t>24/02/2024</a:t>
             </a:fld>
             <a:endParaRPr lang="vi-VN"/>
           </a:p>
@@ -1162,7 +1162,7 @@
           <a:lstStyle/>
           <a:p>
             <a:r>
-              <a:rPr lang="en-US" altLang="zh-TW" smtClean="0"/>
+              <a:rPr lang="en-US" altLang="zh-TW"/>
               <a:t>Click to edit Master title style</a:t>
             </a:r>
             <a:endParaRPr lang="zh-TW" altLang="en-US"/>
@@ -1219,35 +1219,35 @@
           <a:p>
             <a:pPr lvl="0"/>
             <a:r>
-              <a:rPr lang="en-US" altLang="zh-TW" smtClean="0"/>
+              <a:rPr lang="en-US" altLang="zh-TW"/>
               <a:t>Edit Master text styles</a:t>
             </a:r>
           </a:p>
           <a:p>
             <a:pPr lvl="1"/>
             <a:r>
-              <a:rPr lang="en-US" altLang="zh-TW" smtClean="0"/>
+              <a:rPr lang="en-US" altLang="zh-TW"/>
               <a:t>Second level</a:t>
             </a:r>
           </a:p>
           <a:p>
             <a:pPr lvl="2"/>
             <a:r>
-              <a:rPr lang="en-US" altLang="zh-TW" smtClean="0"/>
+              <a:rPr lang="en-US" altLang="zh-TW"/>
               <a:t>Third level</a:t>
             </a:r>
           </a:p>
           <a:p>
             <a:pPr lvl="3"/>
             <a:r>
-              <a:rPr lang="en-US" altLang="zh-TW" smtClean="0"/>
+              <a:rPr lang="en-US" altLang="zh-TW"/>
               <a:t>Fourth level</a:t>
             </a:r>
           </a:p>
           <a:p>
             <a:pPr lvl="4"/>
             <a:r>
-              <a:rPr lang="en-US" altLang="zh-TW" smtClean="0"/>
+              <a:rPr lang="en-US" altLang="zh-TW"/>
               <a:t>Fifth level</a:t>
             </a:r>
             <a:endParaRPr lang="zh-TW" altLang="en-US"/>
@@ -1304,35 +1304,35 @@
           <a:p>
             <a:pPr lvl="0"/>
             <a:r>
-              <a:rPr lang="en-US" altLang="zh-TW" smtClean="0"/>
+              <a:rPr lang="en-US" altLang="zh-TW"/>
               <a:t>Edit Master text styles</a:t>
             </a:r>
           </a:p>
           <a:p>
             <a:pPr lvl="1"/>
             <a:r>
-              <a:rPr lang="en-US" altLang="zh-TW" smtClean="0"/>
+              <a:rPr lang="en-US" altLang="zh-TW"/>
               <a:t>Second level</a:t>
             </a:r>
           </a:p>
           <a:p>
             <a:pPr lvl="2"/>
             <a:r>
-              <a:rPr lang="en-US" altLang="zh-TW" smtClean="0"/>
+              <a:rPr lang="en-US" altLang="zh-TW"/>
               <a:t>Third level</a:t>
             </a:r>
           </a:p>
           <a:p>
             <a:pPr lvl="3"/>
             <a:r>
-              <a:rPr lang="en-US" altLang="zh-TW" smtClean="0"/>
+              <a:rPr lang="en-US" altLang="zh-TW"/>
               <a:t>Fourth level</a:t>
             </a:r>
           </a:p>
           <a:p>
             <a:pPr lvl="4"/>
             <a:r>
-              <a:rPr lang="en-US" altLang="zh-TW" smtClean="0"/>
+              <a:rPr lang="en-US" altLang="zh-TW"/>
               <a:t>Fifth level</a:t>
             </a:r>
             <a:endParaRPr lang="zh-TW" altLang="en-US"/>
@@ -1356,7 +1356,7 @@
           <a:p>
             <a:fld id="{31F3115C-BB06-4256-A0EE-CA1EF37828C7}" type="datetimeFigureOut">
               <a:rPr lang="vi-VN" smtClean="0"/>
-              <a:t>01/09/2023</a:t>
+              <a:t>24/02/2024</a:t>
             </a:fld>
             <a:endParaRPr lang="vi-VN"/>
           </a:p>
@@ -1454,7 +1454,7 @@
           </a:lstStyle>
           <a:p>
             <a:r>
-              <a:rPr lang="en-US" altLang="zh-TW" smtClean="0"/>
+              <a:rPr lang="en-US" altLang="zh-TW"/>
               <a:t>Click to edit Master title style</a:t>
             </a:r>
             <a:endParaRPr lang="zh-TW" altLang="en-US"/>
@@ -1520,7 +1520,7 @@
           <a:p>
             <a:pPr lvl="0"/>
             <a:r>
-              <a:rPr lang="en-US" altLang="zh-TW" smtClean="0"/>
+              <a:rPr lang="en-US" altLang="zh-TW"/>
               <a:t>Edit Master text styles</a:t>
             </a:r>
           </a:p>
@@ -1576,35 +1576,35 @@
           <a:p>
             <a:pPr lvl="0"/>
             <a:r>
-              <a:rPr lang="en-US" altLang="zh-TW" smtClean="0"/>
+              <a:rPr lang="en-US" altLang="zh-TW"/>
               <a:t>Edit Master text styles</a:t>
             </a:r>
           </a:p>
           <a:p>
             <a:pPr lvl="1"/>
             <a:r>
-              <a:rPr lang="en-US" altLang="zh-TW" smtClean="0"/>
+              <a:rPr lang="en-US" altLang="zh-TW"/>
               <a:t>Second level</a:t>
             </a:r>
           </a:p>
           <a:p>
             <a:pPr lvl="2"/>
             <a:r>
-              <a:rPr lang="en-US" altLang="zh-TW" smtClean="0"/>
+              <a:rPr lang="en-US" altLang="zh-TW"/>
               <a:t>Third level</a:t>
             </a:r>
           </a:p>
           <a:p>
             <a:pPr lvl="3"/>
             <a:r>
-              <a:rPr lang="en-US" altLang="zh-TW" smtClean="0"/>
+              <a:rPr lang="en-US" altLang="zh-TW"/>
               <a:t>Fourth level</a:t>
             </a:r>
           </a:p>
           <a:p>
             <a:pPr lvl="4"/>
             <a:r>
-              <a:rPr lang="en-US" altLang="zh-TW" smtClean="0"/>
+              <a:rPr lang="en-US" altLang="zh-TW"/>
               <a:t>Fifth level</a:t>
             </a:r>
             <a:endParaRPr lang="zh-TW" altLang="en-US"/>
@@ -1670,7 +1670,7 @@
           <a:p>
             <a:pPr lvl="0"/>
             <a:r>
-              <a:rPr lang="en-US" altLang="zh-TW" smtClean="0"/>
+              <a:rPr lang="en-US" altLang="zh-TW"/>
               <a:t>Edit Master text styles</a:t>
             </a:r>
           </a:p>
@@ -1726,35 +1726,35 @@
           <a:p>
             <a:pPr lvl="0"/>
             <a:r>
-              <a:rPr lang="en-US" altLang="zh-TW" smtClean="0"/>
+              <a:rPr lang="en-US" altLang="zh-TW"/>
               <a:t>Edit Master text styles</a:t>
             </a:r>
           </a:p>
           <a:p>
             <a:pPr lvl="1"/>
             <a:r>
-              <a:rPr lang="en-US" altLang="zh-TW" smtClean="0"/>
+              <a:rPr lang="en-US" altLang="zh-TW"/>
               <a:t>Second level</a:t>
             </a:r>
           </a:p>
           <a:p>
             <a:pPr lvl="2"/>
             <a:r>
-              <a:rPr lang="en-US" altLang="zh-TW" smtClean="0"/>
+              <a:rPr lang="en-US" altLang="zh-TW"/>
               <a:t>Third level</a:t>
             </a:r>
           </a:p>
           <a:p>
             <a:pPr lvl="3"/>
             <a:r>
-              <a:rPr lang="en-US" altLang="zh-TW" smtClean="0"/>
+              <a:rPr lang="en-US" altLang="zh-TW"/>
               <a:t>Fourth level</a:t>
             </a:r>
           </a:p>
           <a:p>
             <a:pPr lvl="4"/>
             <a:r>
-              <a:rPr lang="en-US" altLang="zh-TW" smtClean="0"/>
+              <a:rPr lang="en-US" altLang="zh-TW"/>
               <a:t>Fifth level</a:t>
             </a:r>
             <a:endParaRPr lang="zh-TW" altLang="en-US"/>
@@ -1778,7 +1778,7 @@
           <a:p>
             <a:fld id="{31F3115C-BB06-4256-A0EE-CA1EF37828C7}" type="datetimeFigureOut">
               <a:rPr lang="vi-VN" smtClean="0"/>
-              <a:t>01/09/2023</a:t>
+              <a:t>24/02/2024</a:t>
             </a:fld>
             <a:endParaRPr lang="vi-VN"/>
           </a:p>
@@ -1872,7 +1872,7 @@
           <a:lstStyle/>
           <a:p>
             <a:r>
-              <a:rPr lang="en-US" altLang="zh-TW" smtClean="0"/>
+              <a:rPr lang="en-US" altLang="zh-TW"/>
               <a:t>Click to edit Master title style</a:t>
             </a:r>
             <a:endParaRPr lang="zh-TW" altLang="en-US"/>
@@ -1896,7 +1896,7 @@
           <a:p>
             <a:fld id="{31F3115C-BB06-4256-A0EE-CA1EF37828C7}" type="datetimeFigureOut">
               <a:rPr lang="vi-VN" smtClean="0"/>
-              <a:t>01/09/2023</a:t>
+              <a:t>24/02/2024</a:t>
             </a:fld>
             <a:endParaRPr lang="vi-VN"/>
           </a:p>
@@ -1991,7 +1991,7 @@
           <a:p>
             <a:fld id="{31F3115C-BB06-4256-A0EE-CA1EF37828C7}" type="datetimeFigureOut">
               <a:rPr lang="vi-VN" smtClean="0"/>
-              <a:t>01/09/2023</a:t>
+              <a:t>24/02/2024</a:t>
             </a:fld>
             <a:endParaRPr lang="vi-VN"/>
           </a:p>
@@ -2094,7 +2094,7 @@
           </a:lstStyle>
           <a:p>
             <a:r>
-              <a:rPr lang="en-US" altLang="zh-TW" smtClean="0"/>
+              <a:rPr lang="en-US" altLang="zh-TW"/>
               <a:t>Click to edit Master title style</a:t>
             </a:r>
             <a:endParaRPr lang="zh-TW" altLang="en-US"/>
@@ -2151,35 +2151,35 @@
           <a:p>
             <a:pPr lvl="0"/>
             <a:r>
-              <a:rPr lang="en-US" altLang="zh-TW" smtClean="0"/>
+              <a:rPr lang="en-US" altLang="zh-TW"/>
               <a:t>Edit Master text styles</a:t>
             </a:r>
           </a:p>
           <a:p>
             <a:pPr lvl="1"/>
             <a:r>
-              <a:rPr lang="en-US" altLang="zh-TW" smtClean="0"/>
+              <a:rPr lang="en-US" altLang="zh-TW"/>
               <a:t>Second level</a:t>
             </a:r>
           </a:p>
           <a:p>
             <a:pPr lvl="2"/>
             <a:r>
-              <a:rPr lang="en-US" altLang="zh-TW" smtClean="0"/>
+              <a:rPr lang="en-US" altLang="zh-TW"/>
               <a:t>Third level</a:t>
             </a:r>
           </a:p>
           <a:p>
             <a:pPr lvl="3"/>
             <a:r>
-              <a:rPr lang="en-US" altLang="zh-TW" smtClean="0"/>
+              <a:rPr lang="en-US" altLang="zh-TW"/>
               <a:t>Fourth level</a:t>
             </a:r>
           </a:p>
           <a:p>
             <a:pPr lvl="4"/>
             <a:r>
-              <a:rPr lang="en-US" altLang="zh-TW" smtClean="0"/>
+              <a:rPr lang="en-US" altLang="zh-TW"/>
               <a:t>Fifth level</a:t>
             </a:r>
             <a:endParaRPr lang="zh-TW" altLang="en-US"/>
@@ -2245,7 +2245,7 @@
           <a:p>
             <a:pPr lvl="0"/>
             <a:r>
-              <a:rPr lang="en-US" altLang="zh-TW" smtClean="0"/>
+              <a:rPr lang="en-US" altLang="zh-TW"/>
               <a:t>Edit Master text styles</a:t>
             </a:r>
           </a:p>
@@ -2268,7 +2268,7 @@
           <a:p>
             <a:fld id="{31F3115C-BB06-4256-A0EE-CA1EF37828C7}" type="datetimeFigureOut">
               <a:rPr lang="vi-VN" smtClean="0"/>
-              <a:t>01/09/2023</a:t>
+              <a:t>24/02/2024</a:t>
             </a:fld>
             <a:endParaRPr lang="vi-VN"/>
           </a:p>
@@ -2371,7 +2371,7 @@
           </a:lstStyle>
           <a:p>
             <a:r>
-              <a:rPr lang="en-US" altLang="zh-TW" smtClean="0"/>
+              <a:rPr lang="en-US" altLang="zh-TW"/>
               <a:t>Click to edit Master title style</a:t>
             </a:r>
             <a:endParaRPr lang="zh-TW" altLang="en-US"/>
@@ -2436,7 +2436,7 @@
           </a:lstStyle>
           <a:p>
             <a:r>
-              <a:rPr lang="en-US" altLang="zh-TW" smtClean="0"/>
+              <a:rPr lang="en-US" altLang="zh-TW"/>
               <a:t>Click icon to add picture</a:t>
             </a:r>
             <a:endParaRPr lang="zh-TW" altLang="en-US"/>
@@ -2502,7 +2502,7 @@
           <a:p>
             <a:pPr lvl="0"/>
             <a:r>
-              <a:rPr lang="en-US" altLang="zh-TW" smtClean="0"/>
+              <a:rPr lang="en-US" altLang="zh-TW"/>
               <a:t>Edit Master text styles</a:t>
             </a:r>
           </a:p>
@@ -2525,7 +2525,7 @@
           <a:p>
             <a:fld id="{31F3115C-BB06-4256-A0EE-CA1EF37828C7}" type="datetimeFigureOut">
               <a:rPr lang="vi-VN" smtClean="0"/>
-              <a:t>01/09/2023</a:t>
+              <a:t>24/02/2024</a:t>
             </a:fld>
             <a:endParaRPr lang="vi-VN"/>
           </a:p>
@@ -2639,10 +2639,9 @@
           <a:lstStyle/>
           <a:p>
             <a:r>
-              <a:rPr lang="zh-TW" altLang="en-US" smtClean="0"/>
+              <a:rPr lang="zh-TW" altLang="en-US"/>
               <a:t>按一下以編輯母片標題樣式</a:t>
             </a:r>
-            <a:endParaRPr lang="zh-TW" altLang="en-US"/>
           </a:p>
         </p:txBody>
       </p:sp>
@@ -2673,38 +2672,37 @@
           <a:p>
             <a:pPr lvl="0"/>
             <a:r>
-              <a:rPr lang="zh-TW" altLang="en-US" smtClean="0"/>
+              <a:rPr lang="zh-TW" altLang="en-US"/>
               <a:t>按一下以編輯母片文字樣式</a:t>
             </a:r>
           </a:p>
           <a:p>
             <a:pPr lvl="1"/>
             <a:r>
-              <a:rPr lang="zh-TW" altLang="en-US" smtClean="0"/>
+              <a:rPr lang="zh-TW" altLang="en-US"/>
               <a:t>第二層</a:t>
             </a:r>
           </a:p>
           <a:p>
             <a:pPr lvl="2"/>
             <a:r>
-              <a:rPr lang="zh-TW" altLang="en-US" smtClean="0"/>
+              <a:rPr lang="zh-TW" altLang="en-US"/>
               <a:t>第三層</a:t>
             </a:r>
           </a:p>
           <a:p>
             <a:pPr lvl="3"/>
             <a:r>
-              <a:rPr lang="zh-TW" altLang="en-US" smtClean="0"/>
+              <a:rPr lang="zh-TW" altLang="en-US"/>
               <a:t>第四層</a:t>
             </a:r>
           </a:p>
           <a:p>
             <a:pPr lvl="4"/>
             <a:r>
-              <a:rPr lang="zh-TW" altLang="en-US" smtClean="0"/>
+              <a:rPr lang="zh-TW" altLang="en-US"/>
               <a:t>第五層</a:t>
             </a:r>
-            <a:endParaRPr lang="zh-TW" altLang="en-US"/>
           </a:p>
         </p:txBody>
       </p:sp>
@@ -2743,7 +2741,7 @@
           <a:p>
             <a:fld id="{31F3115C-BB06-4256-A0EE-CA1EF37828C7}" type="datetimeFigureOut">
               <a:rPr lang="vi-VN" smtClean="0"/>
-              <a:t>01/09/2023</a:t>
+              <a:t>24/02/2024</a:t>
             </a:fld>
             <a:endParaRPr lang="vi-VN"/>
           </a:p>
@@ -3451,34 +3449,24 @@
               <a:t>( </a:t>
             </a:r>
             <a:r>
-              <a:rPr lang="zh-CN" altLang="en-US" sz="3200" b="1" dirty="0" smtClean="0">
+              <a:rPr lang="zh-CN" altLang="en-US" sz="3200" b="1" dirty="0">
                 <a:solidFill>
                   <a:srgbClr val="660033"/>
                 </a:solidFill>
                 <a:latin typeface="Microsoft JhengHei" panose="020B0604030504040204" pitchFamily="34" charset="-120"/>
                 <a:ea typeface="Microsoft JhengHei" panose="020B0604030504040204" pitchFamily="34" charset="-120"/>
               </a:rPr>
-              <a:t>正</a:t>
-            </a:r>
-            <a:r>
-              <a:rPr lang="en-US" sz="3200" b="1" dirty="0" smtClean="0">
+              <a:t>正歌</a:t>
+            </a:r>
+            <a:r>
+              <a:rPr lang="en-US" sz="3200" b="1" dirty="0">
                 <a:solidFill>
                   <a:srgbClr val="660033"/>
                 </a:solidFill>
                 <a:latin typeface="Microsoft JhengHei" panose="020B0604030504040204" pitchFamily="34" charset="-120"/>
                 <a:ea typeface="Microsoft JhengHei" panose="020B0604030504040204" pitchFamily="34" charset="-120"/>
               </a:rPr>
-              <a:t> </a:t>
-            </a:r>
-            <a:r>
-              <a:rPr lang="en-US" sz="3200" b="1" dirty="0">
-                <a:solidFill>
-                  <a:srgbClr val="660033"/>
-                </a:solidFill>
-                <a:latin typeface="Microsoft JhengHei" panose="020B0604030504040204" pitchFamily="34" charset="-120"/>
-                <a:ea typeface="Microsoft JhengHei" panose="020B0604030504040204" pitchFamily="34" charset="-120"/>
-              </a:rPr>
-              <a:t>)</a:t>
+              <a:t> )</a:t>
             </a:r>
             <a:endParaRPr lang="vi-VN" sz="3200" b="1" dirty="0">
               <a:solidFill>
@@ -3627,7 +3615,7 @@
                 <a:latin typeface="Microsoft JhengHei" panose="020B0604030504040204" pitchFamily="34" charset="-120"/>
                 <a:ea typeface="Microsoft JhengHei" panose="020B0604030504040204" pitchFamily="34" charset="-120"/>
               </a:rPr>
-              <a:t>正</a:t>
+              <a:t>正歌</a:t>
             </a:r>
             <a:r>
               <a:rPr lang="en-US" sz="3200" b="1" dirty="0">
@@ -3637,23 +3625,12 @@
                 <a:latin typeface="Microsoft JhengHei" panose="020B0604030504040204" pitchFamily="34" charset="-120"/>
                 <a:ea typeface="Microsoft JhengHei" panose="020B0604030504040204" pitchFamily="34" charset="-120"/>
               </a:rPr>
-              <a:t> </a:t>
-            </a:r>
-            <a:r>
-              <a:rPr lang="en-US" sz="3200" b="1" dirty="0">
-                <a:solidFill>
-                  <a:srgbClr val="660033"/>
-                </a:solidFill>
-                <a:latin typeface="Microsoft JhengHei" panose="020B0604030504040204" pitchFamily="34" charset="-120"/>
-                <a:ea typeface="Microsoft JhengHei" panose="020B0604030504040204" pitchFamily="34" charset="-120"/>
-              </a:rPr>
-              <a:t>)</a:t>
+              <a:t> )</a:t>
             </a:r>
             <a:endParaRPr lang="vi-VN" sz="3200" b="1" dirty="0">
               <a:solidFill>
                 <a:srgbClr val="660033"/>
               </a:solidFill>
-              <a:latin typeface="Microsoft JhengHei" panose="020B0604030504040204" pitchFamily="34" charset="-120"/>
               <a:ea typeface="Microsoft JhengHei" panose="020B0604030504040204" pitchFamily="34" charset="-120"/>
             </a:endParaRPr>
           </a:p>
@@ -3797,7 +3774,7 @@
                 <a:latin typeface="Microsoft JhengHei" panose="020B0604030504040204" pitchFamily="34" charset="-120"/>
                 <a:ea typeface="Microsoft JhengHei" panose="020B0604030504040204" pitchFamily="34" charset="-120"/>
               </a:rPr>
-              <a:t>副</a:t>
+              <a:t>副歌</a:t>
             </a:r>
             <a:r>
               <a:rPr lang="en-US" sz="3200" b="1" dirty="0">
@@ -3807,17 +3784,7 @@
                 <a:latin typeface="Microsoft JhengHei" panose="020B0604030504040204" pitchFamily="34" charset="-120"/>
                 <a:ea typeface="Microsoft JhengHei" panose="020B0604030504040204" pitchFamily="34" charset="-120"/>
               </a:rPr>
-              <a:t> </a:t>
-            </a:r>
-            <a:r>
-              <a:rPr lang="en-US" sz="3200" b="1" dirty="0">
-                <a:solidFill>
-                  <a:srgbClr val="660033"/>
-                </a:solidFill>
-                <a:latin typeface="Microsoft JhengHei" panose="020B0604030504040204" pitchFamily="34" charset="-120"/>
-                <a:ea typeface="Microsoft JhengHei" panose="020B0604030504040204" pitchFamily="34" charset="-120"/>
-              </a:rPr>
-              <a:t>)</a:t>
+              <a:t> )</a:t>
             </a:r>
             <a:endParaRPr lang="vi-VN" sz="3200" b="1" dirty="0">
               <a:solidFill>
@@ -3967,7 +3934,7 @@
                 <a:latin typeface="Microsoft JhengHei" panose="020B0604030504040204" pitchFamily="34" charset="-120"/>
                 <a:ea typeface="Microsoft JhengHei" panose="020B0604030504040204" pitchFamily="34" charset="-120"/>
               </a:rPr>
-              <a:t>副</a:t>
+              <a:t>副歌</a:t>
             </a:r>
             <a:r>
               <a:rPr lang="en-US" sz="3200" b="1" dirty="0">
@@ -3977,17 +3944,7 @@
                 <a:latin typeface="Microsoft JhengHei" panose="020B0604030504040204" pitchFamily="34" charset="-120"/>
                 <a:ea typeface="Microsoft JhengHei" panose="020B0604030504040204" pitchFamily="34" charset="-120"/>
               </a:rPr>
-              <a:t> </a:t>
-            </a:r>
-            <a:r>
-              <a:rPr lang="en-US" sz="3200" b="1" dirty="0">
-                <a:solidFill>
-                  <a:srgbClr val="660033"/>
-                </a:solidFill>
-                <a:latin typeface="Microsoft JhengHei" panose="020B0604030504040204" pitchFamily="34" charset="-120"/>
-                <a:ea typeface="Microsoft JhengHei" panose="020B0604030504040204" pitchFamily="34" charset="-120"/>
-              </a:rPr>
-              <a:t>)</a:t>
+              <a:t> )</a:t>
             </a:r>
             <a:endParaRPr lang="vi-VN" sz="3200" b="1" dirty="0">
               <a:solidFill>
@@ -4137,7 +4094,7 @@
                 <a:latin typeface="Microsoft JhengHei" panose="020B0604030504040204" pitchFamily="34" charset="-120"/>
                 <a:ea typeface="Microsoft JhengHei" panose="020B0604030504040204" pitchFamily="34" charset="-120"/>
               </a:rPr>
-              <a:t>副</a:t>
+              <a:t>副歌</a:t>
             </a:r>
             <a:r>
               <a:rPr lang="en-US" sz="3200" b="1" dirty="0">
@@ -4147,17 +4104,7 @@
                 <a:latin typeface="Microsoft JhengHei" panose="020B0604030504040204" pitchFamily="34" charset="-120"/>
                 <a:ea typeface="Microsoft JhengHei" panose="020B0604030504040204" pitchFamily="34" charset="-120"/>
               </a:rPr>
-              <a:t> </a:t>
-            </a:r>
-            <a:r>
-              <a:rPr lang="en-US" sz="3200" b="1" dirty="0">
-                <a:solidFill>
-                  <a:srgbClr val="660033"/>
-                </a:solidFill>
-                <a:latin typeface="Microsoft JhengHei" panose="020B0604030504040204" pitchFamily="34" charset="-120"/>
-                <a:ea typeface="Microsoft JhengHei" panose="020B0604030504040204" pitchFamily="34" charset="-120"/>
-              </a:rPr>
-              <a:t>)</a:t>
+              <a:t> )</a:t>
             </a:r>
             <a:endParaRPr lang="vi-VN" sz="3200" b="1" dirty="0">
               <a:solidFill>
@@ -4307,7 +4254,7 @@
                 <a:latin typeface="Microsoft JhengHei" panose="020B0604030504040204" pitchFamily="34" charset="-120"/>
                 <a:ea typeface="Microsoft JhengHei" panose="020B0604030504040204" pitchFamily="34" charset="-120"/>
               </a:rPr>
-              <a:t>副</a:t>
+              <a:t>副歌</a:t>
             </a:r>
             <a:r>
               <a:rPr lang="en-US" sz="3200" b="1" dirty="0">
@@ -4317,17 +4264,7 @@
                 <a:latin typeface="Microsoft JhengHei" panose="020B0604030504040204" pitchFamily="34" charset="-120"/>
                 <a:ea typeface="Microsoft JhengHei" panose="020B0604030504040204" pitchFamily="34" charset="-120"/>
               </a:rPr>
-              <a:t> </a:t>
-            </a:r>
-            <a:r>
-              <a:rPr lang="en-US" sz="3200" b="1" dirty="0">
-                <a:solidFill>
-                  <a:srgbClr val="660033"/>
-                </a:solidFill>
-                <a:latin typeface="Microsoft JhengHei" panose="020B0604030504040204" pitchFamily="34" charset="-120"/>
-                <a:ea typeface="Microsoft JhengHei" panose="020B0604030504040204" pitchFamily="34" charset="-120"/>
-              </a:rPr>
-              <a:t>)</a:t>
+              <a:t> )</a:t>
             </a:r>
             <a:endParaRPr lang="vi-VN" sz="3200" b="1" dirty="0">
               <a:solidFill>
@@ -4455,7 +4392,7 @@
                 <a:latin typeface="Microsoft JhengHei" panose="020B0604030504040204" pitchFamily="34" charset="-120"/>
                 <a:ea typeface="Microsoft JhengHei" panose="020B0604030504040204" pitchFamily="34" charset="-120"/>
               </a:rPr>
-              <a:t>副</a:t>
+              <a:t>副歌</a:t>
             </a:r>
             <a:r>
               <a:rPr lang="en-US" sz="3200" b="1" dirty="0">
@@ -4465,17 +4402,7 @@
                 <a:latin typeface="Microsoft JhengHei" panose="020B0604030504040204" pitchFamily="34" charset="-120"/>
                 <a:ea typeface="Microsoft JhengHei" panose="020B0604030504040204" pitchFamily="34" charset="-120"/>
               </a:rPr>
-              <a:t> </a:t>
-            </a:r>
-            <a:r>
-              <a:rPr lang="en-US" sz="3200" b="1" dirty="0">
-                <a:solidFill>
-                  <a:srgbClr val="660033"/>
-                </a:solidFill>
-                <a:latin typeface="Microsoft JhengHei" panose="020B0604030504040204" pitchFamily="34" charset="-120"/>
-                <a:ea typeface="Microsoft JhengHei" panose="020B0604030504040204" pitchFamily="34" charset="-120"/>
-              </a:rPr>
-              <a:t>)</a:t>
+              <a:t> )</a:t>
             </a:r>
             <a:endParaRPr lang="vi-VN" sz="3200" b="1" dirty="0">
               <a:solidFill>
